--- a/clases/Cap05_Mejoramiento_Frecuencia/presentations/IMG05_FiltroHomomorfico.pptx
+++ b/clases/Cap05_Mejoramiento_Frecuencia/presentations/IMG05_FiltroHomomorfico.pptx
@@ -36346,8 +36346,25 @@
                 <a:latin typeface="Trebuchet MS"/>
                 <a:cs typeface="Trebuchet MS"/>
               </a:rPr>
-              <a:t>Filtros Homomorficos</a:t>
-            </a:r>
+              <a:t>Filtros </a:t>
+            </a:r>
+            <a:r>
+              <a:rPr lang="es-CL" sz="2700" b="1" dirty="0" err="1">
+                <a:solidFill>
+                  <a:srgbClr val="FFFFFF"/>
+                </a:solidFill>
+                <a:latin typeface="Trebuchet MS"/>
+                <a:cs typeface="Trebuchet MS"/>
+              </a:rPr>
+              <a:t>Homomórficos</a:t>
+            </a:r>
+            <a:endParaRPr lang="es-CL" sz="2700" b="1" dirty="0">
+              <a:solidFill>
+                <a:srgbClr val="FFFFFF"/>
+              </a:solidFill>
+              <a:latin typeface="Trebuchet MS"/>
+              <a:cs typeface="Trebuchet MS"/>
+            </a:endParaRPr>
           </a:p>
           <a:p>
             <a:pPr algn="ctr"/>

--- a/clases/Cap05_Mejoramiento_Frecuencia/presentations/IMG05_FiltroHomomorfico.pptx
+++ b/clases/Cap05_Mejoramiento_Frecuencia/presentations/IMG05_FiltroHomomorfico.pptx
@@ -20,7 +20,7 @@
     <p:sldMasterId id="2147483666" r:id="rId16"/>
   </p:sldMasterIdLst>
   <p:notesMasterIdLst>
-    <p:notesMasterId r:id="rId23"/>
+    <p:notesMasterId r:id="rId24"/>
   </p:notesMasterIdLst>
   <p:sldIdLst>
     <p:sldId id="417" r:id="rId17"/>
@@ -28,7 +28,8 @@
     <p:sldId id="403" r:id="rId19"/>
     <p:sldId id="404" r:id="rId20"/>
     <p:sldId id="405" r:id="rId21"/>
-    <p:sldId id="406" r:id="rId22"/>
+    <p:sldId id="418" r:id="rId22"/>
+    <p:sldId id="406" r:id="rId23"/>
   </p:sldIdLst>
   <p:sldSz cx="10160000" cy="7620000"/>
   <p:notesSz cx="6858000" cy="9144000"/>
@@ -37699,6 +37700,933 @@
       </p:grpSpPr>
       <p:sp>
         <p:nvSpPr>
+          <p:cNvPr id="4" name="Rounded Rectangle 3">
+            <a:extLst>
+              <a:ext uri="{FF2B5EF4-FFF2-40B4-BE49-F238E27FC236}">
+                <a16:creationId xmlns:a16="http://schemas.microsoft.com/office/drawing/2014/main" id="{6EB98B67-B0D9-BD90-8F6A-59D816AC0856}"/>
+              </a:ext>
+            </a:extLst>
+          </p:cNvPr>
+          <p:cNvSpPr/>
+          <p:nvPr/>
+        </p:nvSpPr>
+        <p:spPr bwMode="auto">
+          <a:xfrm>
+            <a:off x="1479600" y="3089920"/>
+            <a:ext cx="936104" cy="720080"/>
+          </a:xfrm>
+          <a:prstGeom prst="roundRect">
+            <a:avLst/>
+          </a:prstGeom>
+          <a:solidFill>
+            <a:srgbClr val="CCCCCC"/>
+          </a:solidFill>
+          <a:ln w="25400" cap="flat" cmpd="sng" algn="ctr">
+            <a:solidFill>
+              <a:srgbClr val="000000"/>
+            </a:solidFill>
+            <a:prstDash val="solid"/>
+            <a:round/>
+            <a:headEnd type="none" w="med" len="med"/>
+            <a:tailEnd type="none" w="med" len="med"/>
+          </a:ln>
+          <a:effectLst/>
+        </p:spPr>
+        <p:txBody>
+          <a:bodyPr vert="horz" wrap="square" lIns="91440" tIns="45720" rIns="91440" bIns="45720" numCol="1" rtlCol="0" anchor="t" anchorCtr="0" compatLnSpc="1">
+            <a:prstTxWarp prst="textNoShape">
+              <a:avLst/>
+            </a:prstTxWarp>
+          </a:bodyPr>
+          <a:lstStyle/>
+          <a:p>
+            <a:pPr marL="0" marR="0" indent="0" algn="ctr" defTabSz="914400" rtl="0" eaLnBrk="1" fontAlgn="base" latinLnBrk="0" hangingPunct="1">
+              <a:lnSpc>
+                <a:spcPct val="100000"/>
+              </a:lnSpc>
+              <a:spcBef>
+                <a:spcPct val="0"/>
+              </a:spcBef>
+              <a:spcAft>
+                <a:spcPct val="0"/>
+              </a:spcAft>
+              <a:buClrTx/>
+              <a:buSzTx/>
+              <a:buFontTx/>
+              <a:buNone/>
+              <a:tabLst/>
+            </a:pPr>
+            <a:r>
+              <a:rPr kumimoji="0" lang="en-CL" sz="3200" b="0" i="0" u="none" strike="noStrike" cap="none" normalizeH="0" baseline="0" dirty="0">
+                <a:ln>
+                  <a:noFill/>
+                </a:ln>
+                <a:solidFill>
+                  <a:srgbClr val="000000"/>
+                </a:solidFill>
+                <a:effectLst/>
+                <a:latin typeface="Helvetica Neue Light" charset="0"/>
+                <a:ea typeface="ヒラギノ角ゴ Pro W3" charset="-128"/>
+                <a:cs typeface="ヒラギノ角ゴ Pro W3" charset="-128"/>
+                <a:sym typeface="Helvetica Neue Light" charset="0"/>
+              </a:rPr>
+              <a:t>log</a:t>
+            </a:r>
+          </a:p>
+        </p:txBody>
+      </p:sp>
+      <p:cxnSp>
+        <p:nvCxnSpPr>
+          <p:cNvPr id="6" name="Straight Arrow Connector 5">
+            <a:extLst>
+              <a:ext uri="{FF2B5EF4-FFF2-40B4-BE49-F238E27FC236}">
+                <a16:creationId xmlns:a16="http://schemas.microsoft.com/office/drawing/2014/main" id="{7056C28B-F5D7-F9A6-753A-4984BD181C6B}"/>
+              </a:ext>
+            </a:extLst>
+          </p:cNvPr>
+          <p:cNvCxnSpPr>
+            <a:cxnSpLocks/>
+            <a:stCxn id="4" idx="3"/>
+            <a:endCxn id="8" idx="1"/>
+          </p:cNvCxnSpPr>
+          <p:nvPr/>
+        </p:nvCxnSpPr>
+        <p:spPr bwMode="auto">
+          <a:xfrm>
+            <a:off x="2415704" y="3449960"/>
+            <a:ext cx="288032" cy="0"/>
+          </a:xfrm>
+          <a:prstGeom prst="straightConnector1">
+            <a:avLst/>
+          </a:prstGeom>
+          <a:solidFill>
+            <a:srgbClr val="CCCCCC"/>
+          </a:solidFill>
+          <a:ln w="25400" cap="flat" cmpd="sng" algn="ctr">
+            <a:solidFill>
+              <a:srgbClr val="000000"/>
+            </a:solidFill>
+            <a:prstDash val="solid"/>
+            <a:round/>
+            <a:headEnd type="none" w="med" len="med"/>
+            <a:tailEnd type="triangle"/>
+          </a:ln>
+          <a:effectLst/>
+        </p:spPr>
+      </p:cxnSp>
+      <p:cxnSp>
+        <p:nvCxnSpPr>
+          <p:cNvPr id="7" name="Straight Arrow Connector 6">
+            <a:extLst>
+              <a:ext uri="{FF2B5EF4-FFF2-40B4-BE49-F238E27FC236}">
+                <a16:creationId xmlns:a16="http://schemas.microsoft.com/office/drawing/2014/main" id="{B4EE0D60-AD37-A9DF-55A4-07F50C726E5C}"/>
+              </a:ext>
+            </a:extLst>
+          </p:cNvPr>
+          <p:cNvCxnSpPr/>
+          <p:nvPr/>
+        </p:nvCxnSpPr>
+        <p:spPr bwMode="auto">
+          <a:xfrm>
+            <a:off x="903536" y="3449960"/>
+            <a:ext cx="576064" cy="0"/>
+          </a:xfrm>
+          <a:prstGeom prst="straightConnector1">
+            <a:avLst/>
+          </a:prstGeom>
+          <a:solidFill>
+            <a:srgbClr val="CCCCCC"/>
+          </a:solidFill>
+          <a:ln w="25400" cap="flat" cmpd="sng" algn="ctr">
+            <a:solidFill>
+              <a:srgbClr val="000000"/>
+            </a:solidFill>
+            <a:prstDash val="solid"/>
+            <a:round/>
+            <a:headEnd type="none" w="med" len="med"/>
+            <a:tailEnd type="triangle"/>
+          </a:ln>
+          <a:effectLst/>
+        </p:spPr>
+      </p:cxnSp>
+      <p:sp>
+        <p:nvSpPr>
+          <p:cNvPr id="8" name="Rounded Rectangle 7">
+            <a:extLst>
+              <a:ext uri="{FF2B5EF4-FFF2-40B4-BE49-F238E27FC236}">
+                <a16:creationId xmlns:a16="http://schemas.microsoft.com/office/drawing/2014/main" id="{2022F1A0-0E61-4AE0-D9AC-E265A4497A0F}"/>
+              </a:ext>
+            </a:extLst>
+          </p:cNvPr>
+          <p:cNvSpPr/>
+          <p:nvPr/>
+        </p:nvSpPr>
+        <p:spPr bwMode="auto">
+          <a:xfrm>
+            <a:off x="2703736" y="3089920"/>
+            <a:ext cx="936104" cy="720080"/>
+          </a:xfrm>
+          <a:prstGeom prst="roundRect">
+            <a:avLst/>
+          </a:prstGeom>
+          <a:solidFill>
+            <a:srgbClr val="CCCCCC"/>
+          </a:solidFill>
+          <a:ln w="25400" cap="flat" cmpd="sng" algn="ctr">
+            <a:solidFill>
+              <a:srgbClr val="000000"/>
+            </a:solidFill>
+            <a:prstDash val="solid"/>
+            <a:round/>
+            <a:headEnd type="none" w="med" len="med"/>
+            <a:tailEnd type="none" w="med" len="med"/>
+          </a:ln>
+          <a:effectLst/>
+        </p:spPr>
+        <p:txBody>
+          <a:bodyPr vert="horz" wrap="square" lIns="91440" tIns="45720" rIns="91440" bIns="45720" numCol="1" rtlCol="0" anchor="t" anchorCtr="0" compatLnSpc="1">
+            <a:prstTxWarp prst="textNoShape">
+              <a:avLst/>
+            </a:prstTxWarp>
+          </a:bodyPr>
+          <a:lstStyle/>
+          <a:p>
+            <a:pPr marL="0" marR="0" indent="0" algn="ctr" defTabSz="914400" rtl="0" eaLnBrk="1" fontAlgn="base" latinLnBrk="0" hangingPunct="1">
+              <a:lnSpc>
+                <a:spcPct val="100000"/>
+              </a:lnSpc>
+              <a:spcBef>
+                <a:spcPct val="0"/>
+              </a:spcBef>
+              <a:spcAft>
+                <a:spcPct val="0"/>
+              </a:spcAft>
+              <a:buClrTx/>
+              <a:buSzTx/>
+              <a:buFontTx/>
+              <a:buNone/>
+              <a:tabLst/>
+            </a:pPr>
+            <a:r>
+              <a:rPr kumimoji="0" lang="en-CL" sz="3200" b="0" i="0" u="none" strike="noStrike" cap="none" normalizeH="0" baseline="0" dirty="0">
+                <a:ln>
+                  <a:noFill/>
+                </a:ln>
+                <a:solidFill>
+                  <a:srgbClr val="000000"/>
+                </a:solidFill>
+                <a:effectLst/>
+                <a:latin typeface="Helvetica Neue Light" charset="0"/>
+                <a:ea typeface="ヒラギノ角ゴ Pro W3" charset="-128"/>
+                <a:cs typeface="ヒラギノ角ゴ Pro W3" charset="-128"/>
+                <a:sym typeface="Helvetica Neue Light" charset="0"/>
+              </a:rPr>
+              <a:t>fft</a:t>
+            </a:r>
+          </a:p>
+        </p:txBody>
+      </p:sp>
+      <p:cxnSp>
+        <p:nvCxnSpPr>
+          <p:cNvPr id="9" name="Straight Arrow Connector 8">
+            <a:extLst>
+              <a:ext uri="{FF2B5EF4-FFF2-40B4-BE49-F238E27FC236}">
+                <a16:creationId xmlns:a16="http://schemas.microsoft.com/office/drawing/2014/main" id="{56834918-1B39-DC40-31A0-59BC2D6A2E01}"/>
+              </a:ext>
+            </a:extLst>
+          </p:cNvPr>
+          <p:cNvCxnSpPr>
+            <a:cxnSpLocks/>
+            <a:stCxn id="8" idx="3"/>
+            <a:endCxn id="10" idx="1"/>
+          </p:cNvCxnSpPr>
+          <p:nvPr/>
+        </p:nvCxnSpPr>
+        <p:spPr bwMode="auto">
+          <a:xfrm>
+            <a:off x="3639840" y="3449960"/>
+            <a:ext cx="432048" cy="0"/>
+          </a:xfrm>
+          <a:prstGeom prst="straightConnector1">
+            <a:avLst/>
+          </a:prstGeom>
+          <a:solidFill>
+            <a:srgbClr val="CCCCCC"/>
+          </a:solidFill>
+          <a:ln w="25400" cap="flat" cmpd="sng" algn="ctr">
+            <a:solidFill>
+              <a:srgbClr val="000000"/>
+            </a:solidFill>
+            <a:prstDash val="solid"/>
+            <a:round/>
+            <a:headEnd type="none" w="med" len="med"/>
+            <a:tailEnd type="triangle"/>
+          </a:ln>
+          <a:effectLst/>
+        </p:spPr>
+      </p:cxnSp>
+      <p:sp>
+        <p:nvSpPr>
+          <p:cNvPr id="10" name="Rounded Rectangle 9">
+            <a:extLst>
+              <a:ext uri="{FF2B5EF4-FFF2-40B4-BE49-F238E27FC236}">
+                <a16:creationId xmlns:a16="http://schemas.microsoft.com/office/drawing/2014/main" id="{97650A41-8F4F-F74F-BB9B-D83FF6FA0E45}"/>
+              </a:ext>
+            </a:extLst>
+          </p:cNvPr>
+          <p:cNvSpPr/>
+          <p:nvPr/>
+        </p:nvSpPr>
+        <p:spPr bwMode="auto">
+          <a:xfrm>
+            <a:off x="4071888" y="3089920"/>
+            <a:ext cx="1080120" cy="720080"/>
+          </a:xfrm>
+          <a:prstGeom prst="roundRect">
+            <a:avLst/>
+          </a:prstGeom>
+          <a:solidFill>
+            <a:srgbClr val="CCCCCC"/>
+          </a:solidFill>
+          <a:ln w="25400" cap="flat" cmpd="sng" algn="ctr">
+            <a:solidFill>
+              <a:srgbClr val="000000"/>
+            </a:solidFill>
+            <a:prstDash val="solid"/>
+            <a:round/>
+            <a:headEnd type="none" w="med" len="med"/>
+            <a:tailEnd type="none" w="med" len="med"/>
+          </a:ln>
+          <a:effectLst/>
+        </p:spPr>
+        <p:txBody>
+          <a:bodyPr vert="horz" wrap="square" lIns="91440" tIns="45720" rIns="91440" bIns="45720" numCol="1" rtlCol="0" anchor="t" anchorCtr="0" compatLnSpc="1">
+            <a:prstTxWarp prst="textNoShape">
+              <a:avLst/>
+            </a:prstTxWarp>
+          </a:bodyPr>
+          <a:lstStyle/>
+          <a:p>
+            <a:pPr marL="0" marR="0" indent="0" defTabSz="914400" rtl="0" eaLnBrk="1" fontAlgn="base" latinLnBrk="0" hangingPunct="1">
+              <a:lnSpc>
+                <a:spcPct val="100000"/>
+              </a:lnSpc>
+              <a:spcBef>
+                <a:spcPct val="0"/>
+              </a:spcBef>
+              <a:spcAft>
+                <a:spcPct val="0"/>
+              </a:spcAft>
+              <a:buClrTx/>
+              <a:buSzTx/>
+              <a:buFontTx/>
+              <a:buNone/>
+              <a:tabLst/>
+            </a:pPr>
+            <a:r>
+              <a:rPr kumimoji="0" lang="en-CL" sz="3200" b="0" i="0" u="none" strike="noStrike" cap="none" normalizeH="0" baseline="0" dirty="0">
+                <a:ln>
+                  <a:noFill/>
+                </a:ln>
+                <a:solidFill>
+                  <a:srgbClr val="000000"/>
+                </a:solidFill>
+                <a:effectLst/>
+                <a:latin typeface="Helvetica Neue Light" charset="0"/>
+                <a:ea typeface="ヒラギノ角ゴ Pro W3" charset="-128"/>
+                <a:cs typeface="ヒラギノ角ゴ Pro W3" charset="-128"/>
+                <a:sym typeface="Helvetica Neue Light" charset="0"/>
+              </a:rPr>
+              <a:t>filtro	</a:t>
+            </a:r>
+          </a:p>
+        </p:txBody>
+      </p:sp>
+      <p:cxnSp>
+        <p:nvCxnSpPr>
+          <p:cNvPr id="11" name="Straight Arrow Connector 10">
+            <a:extLst>
+              <a:ext uri="{FF2B5EF4-FFF2-40B4-BE49-F238E27FC236}">
+                <a16:creationId xmlns:a16="http://schemas.microsoft.com/office/drawing/2014/main" id="{285206DC-93B0-E94F-8326-4CCAD177D150}"/>
+              </a:ext>
+            </a:extLst>
+          </p:cNvPr>
+          <p:cNvCxnSpPr>
+            <a:cxnSpLocks/>
+            <a:stCxn id="10" idx="3"/>
+            <a:endCxn id="12" idx="1"/>
+          </p:cNvCxnSpPr>
+          <p:nvPr/>
+        </p:nvCxnSpPr>
+        <p:spPr bwMode="auto">
+          <a:xfrm>
+            <a:off x="5152008" y="3449960"/>
+            <a:ext cx="360040" cy="0"/>
+          </a:xfrm>
+          <a:prstGeom prst="straightConnector1">
+            <a:avLst/>
+          </a:prstGeom>
+          <a:solidFill>
+            <a:srgbClr val="CCCCCC"/>
+          </a:solidFill>
+          <a:ln w="25400" cap="flat" cmpd="sng" algn="ctr">
+            <a:solidFill>
+              <a:srgbClr val="000000"/>
+            </a:solidFill>
+            <a:prstDash val="solid"/>
+            <a:round/>
+            <a:headEnd type="none" w="med" len="med"/>
+            <a:tailEnd type="triangle"/>
+          </a:ln>
+          <a:effectLst/>
+        </p:spPr>
+      </p:cxnSp>
+      <p:sp>
+        <p:nvSpPr>
+          <p:cNvPr id="12" name="Rounded Rectangle 11">
+            <a:extLst>
+              <a:ext uri="{FF2B5EF4-FFF2-40B4-BE49-F238E27FC236}">
+                <a16:creationId xmlns:a16="http://schemas.microsoft.com/office/drawing/2014/main" id="{1F6B406A-21F2-BC4C-B61A-DE67EFD112E5}"/>
+              </a:ext>
+            </a:extLst>
+          </p:cNvPr>
+          <p:cNvSpPr/>
+          <p:nvPr/>
+        </p:nvSpPr>
+        <p:spPr bwMode="auto">
+          <a:xfrm>
+            <a:off x="5512048" y="3089920"/>
+            <a:ext cx="1440160" cy="720080"/>
+          </a:xfrm>
+          <a:prstGeom prst="roundRect">
+            <a:avLst/>
+          </a:prstGeom>
+          <a:solidFill>
+            <a:srgbClr val="CCCCCC"/>
+          </a:solidFill>
+          <a:ln w="25400" cap="flat" cmpd="sng" algn="ctr">
+            <a:solidFill>
+              <a:srgbClr val="000000"/>
+            </a:solidFill>
+            <a:prstDash val="solid"/>
+            <a:round/>
+            <a:headEnd type="none" w="med" len="med"/>
+            <a:tailEnd type="none" w="med" len="med"/>
+          </a:ln>
+          <a:effectLst/>
+        </p:spPr>
+        <p:txBody>
+          <a:bodyPr vert="horz" wrap="square" lIns="91440" tIns="45720" rIns="91440" bIns="45720" numCol="1" rtlCol="0" anchor="t" anchorCtr="0" compatLnSpc="1">
+            <a:prstTxWarp prst="textNoShape">
+              <a:avLst/>
+            </a:prstTxWarp>
+          </a:bodyPr>
+          <a:lstStyle/>
+          <a:p>
+            <a:pPr marL="0" marR="0" indent="0" algn="ctr" defTabSz="914400" rtl="0" eaLnBrk="1" fontAlgn="base" latinLnBrk="0" hangingPunct="1">
+              <a:lnSpc>
+                <a:spcPct val="100000"/>
+              </a:lnSpc>
+              <a:spcBef>
+                <a:spcPct val="0"/>
+              </a:spcBef>
+              <a:spcAft>
+                <a:spcPct val="0"/>
+              </a:spcAft>
+              <a:buClrTx/>
+              <a:buSzTx/>
+              <a:buFontTx/>
+              <a:buNone/>
+              <a:tabLst/>
+            </a:pPr>
+            <a:r>
+              <a:rPr kumimoji="0" lang="en-CL" sz="3200" b="0" i="0" u="none" strike="noStrike" cap="none" normalizeH="0" baseline="0" dirty="0">
+                <a:ln>
+                  <a:noFill/>
+                </a:ln>
+                <a:solidFill>
+                  <a:srgbClr val="000000"/>
+                </a:solidFill>
+                <a:effectLst/>
+                <a:latin typeface="Helvetica Neue Light" charset="0"/>
+                <a:ea typeface="ヒラギノ角ゴ Pro W3" charset="-128"/>
+                <a:cs typeface="ヒラギノ角ゴ Pro W3" charset="-128"/>
+                <a:sym typeface="Helvetica Neue Light" charset="0"/>
+              </a:rPr>
+              <a:t>ifft</a:t>
+            </a:r>
+          </a:p>
+        </p:txBody>
+      </p:sp>
+      <p:cxnSp>
+        <p:nvCxnSpPr>
+          <p:cNvPr id="13" name="Straight Arrow Connector 12">
+            <a:extLst>
+              <a:ext uri="{FF2B5EF4-FFF2-40B4-BE49-F238E27FC236}">
+                <a16:creationId xmlns:a16="http://schemas.microsoft.com/office/drawing/2014/main" id="{1E37D4C9-4589-A976-FB15-60C94F281E55}"/>
+              </a:ext>
+            </a:extLst>
+          </p:cNvPr>
+          <p:cNvCxnSpPr>
+            <a:cxnSpLocks/>
+            <a:stCxn id="12" idx="3"/>
+            <a:endCxn id="22" idx="1"/>
+          </p:cNvCxnSpPr>
+          <p:nvPr/>
+        </p:nvCxnSpPr>
+        <p:spPr bwMode="auto">
+          <a:xfrm flipV="1">
+            <a:off x="6952208" y="3449959"/>
+            <a:ext cx="504056" cy="1"/>
+          </a:xfrm>
+          <a:prstGeom prst="straightConnector1">
+            <a:avLst/>
+          </a:prstGeom>
+          <a:solidFill>
+            <a:srgbClr val="CCCCCC"/>
+          </a:solidFill>
+          <a:ln w="25400" cap="flat" cmpd="sng" algn="ctr">
+            <a:solidFill>
+              <a:srgbClr val="000000"/>
+            </a:solidFill>
+            <a:prstDash val="solid"/>
+            <a:round/>
+            <a:headEnd type="none" w="med" len="med"/>
+            <a:tailEnd type="triangle"/>
+          </a:ln>
+          <a:effectLst/>
+        </p:spPr>
+      </p:cxnSp>
+      <p:sp>
+        <p:nvSpPr>
+          <p:cNvPr id="22" name="Rounded Rectangle 21">
+            <a:extLst>
+              <a:ext uri="{FF2B5EF4-FFF2-40B4-BE49-F238E27FC236}">
+                <a16:creationId xmlns:a16="http://schemas.microsoft.com/office/drawing/2014/main" id="{927987C7-0625-B89D-3E01-25B8A2DED0B3}"/>
+              </a:ext>
+            </a:extLst>
+          </p:cNvPr>
+          <p:cNvSpPr/>
+          <p:nvPr/>
+        </p:nvSpPr>
+        <p:spPr bwMode="auto">
+          <a:xfrm>
+            <a:off x="7456264" y="3089919"/>
+            <a:ext cx="1440160" cy="720080"/>
+          </a:xfrm>
+          <a:prstGeom prst="roundRect">
+            <a:avLst/>
+          </a:prstGeom>
+          <a:solidFill>
+            <a:srgbClr val="CCCCCC"/>
+          </a:solidFill>
+          <a:ln w="25400" cap="flat" cmpd="sng" algn="ctr">
+            <a:solidFill>
+              <a:srgbClr val="000000"/>
+            </a:solidFill>
+            <a:prstDash val="solid"/>
+            <a:round/>
+            <a:headEnd type="none" w="med" len="med"/>
+            <a:tailEnd type="none" w="med" len="med"/>
+          </a:ln>
+          <a:effectLst/>
+        </p:spPr>
+        <p:txBody>
+          <a:bodyPr vert="horz" wrap="square" lIns="91440" tIns="45720" rIns="91440" bIns="45720" numCol="1" rtlCol="0" anchor="t" anchorCtr="0" compatLnSpc="1">
+            <a:prstTxWarp prst="textNoShape">
+              <a:avLst/>
+            </a:prstTxWarp>
+          </a:bodyPr>
+          <a:lstStyle/>
+          <a:p>
+            <a:pPr marL="0" marR="0" indent="0" algn="ctr" defTabSz="914400" rtl="0" eaLnBrk="1" fontAlgn="base" latinLnBrk="0" hangingPunct="1">
+              <a:lnSpc>
+                <a:spcPct val="100000"/>
+              </a:lnSpc>
+              <a:spcBef>
+                <a:spcPct val="0"/>
+              </a:spcBef>
+              <a:spcAft>
+                <a:spcPct val="0"/>
+              </a:spcAft>
+              <a:buClrTx/>
+              <a:buSzTx/>
+              <a:buFontTx/>
+              <a:buNone/>
+              <a:tabLst/>
+            </a:pPr>
+            <a:r>
+              <a:rPr kumimoji="0" lang="en-CL" sz="3200" b="0" i="0" u="none" strike="noStrike" cap="none" normalizeH="0" baseline="0" dirty="0">
+                <a:ln>
+                  <a:noFill/>
+                </a:ln>
+                <a:solidFill>
+                  <a:srgbClr val="000000"/>
+                </a:solidFill>
+                <a:effectLst/>
+                <a:latin typeface="Helvetica Neue Light" charset="0"/>
+                <a:ea typeface="ヒラギノ角ゴ Pro W3" charset="-128"/>
+                <a:cs typeface="ヒラギノ角ゴ Pro W3" charset="-128"/>
+                <a:sym typeface="Helvetica Neue Light" charset="0"/>
+              </a:rPr>
+              <a:t>exp</a:t>
+            </a:r>
+          </a:p>
+        </p:txBody>
+      </p:sp>
+      <p:cxnSp>
+        <p:nvCxnSpPr>
+          <p:cNvPr id="23" name="Straight Arrow Connector 22">
+            <a:extLst>
+              <a:ext uri="{FF2B5EF4-FFF2-40B4-BE49-F238E27FC236}">
+                <a16:creationId xmlns:a16="http://schemas.microsoft.com/office/drawing/2014/main" id="{3BF1A29D-08AC-5830-0D58-1332DC9269AB}"/>
+              </a:ext>
+            </a:extLst>
+          </p:cNvPr>
+          <p:cNvCxnSpPr>
+            <a:cxnSpLocks/>
+            <a:stCxn id="22" idx="3"/>
+          </p:cNvCxnSpPr>
+          <p:nvPr/>
+        </p:nvCxnSpPr>
+        <p:spPr bwMode="auto">
+          <a:xfrm>
+            <a:off x="8896424" y="3449959"/>
+            <a:ext cx="657944" cy="0"/>
+          </a:xfrm>
+          <a:prstGeom prst="straightConnector1">
+            <a:avLst/>
+          </a:prstGeom>
+          <a:solidFill>
+            <a:srgbClr val="CCCCCC"/>
+          </a:solidFill>
+          <a:ln w="25400" cap="flat" cmpd="sng" algn="ctr">
+            <a:solidFill>
+              <a:srgbClr val="000000"/>
+            </a:solidFill>
+            <a:prstDash val="solid"/>
+            <a:round/>
+            <a:headEnd type="none" w="med" len="med"/>
+            <a:tailEnd type="triangle"/>
+          </a:ln>
+          <a:effectLst/>
+        </p:spPr>
+      </p:cxnSp>
+      <p:sp>
+        <p:nvSpPr>
+          <p:cNvPr id="30" name="TextBox 29">
+            <a:extLst>
+              <a:ext uri="{FF2B5EF4-FFF2-40B4-BE49-F238E27FC236}">
+                <a16:creationId xmlns:a16="http://schemas.microsoft.com/office/drawing/2014/main" id="{41FBE6B8-2ADB-8C31-F5BB-9F5D07312BC7}"/>
+              </a:ext>
+            </a:extLst>
+          </p:cNvPr>
+          <p:cNvSpPr txBox="1"/>
+          <p:nvPr/>
+        </p:nvSpPr>
+        <p:spPr>
+          <a:xfrm>
+            <a:off x="1059160" y="3877652"/>
+            <a:ext cx="264816" cy="461665"/>
+          </a:xfrm>
+          <a:prstGeom prst="rect">
+            <a:avLst/>
+          </a:prstGeom>
+          <a:noFill/>
+        </p:spPr>
+        <p:txBody>
+          <a:bodyPr wrap="none" rtlCol="0">
+            <a:spAutoFit/>
+          </a:bodyPr>
+          <a:lstStyle/>
+          <a:p>
+            <a:r>
+              <a:rPr lang="en-CL" sz="2400" dirty="0"/>
+              <a:t>f</a:t>
+            </a:r>
+          </a:p>
+        </p:txBody>
+      </p:sp>
+      <p:sp>
+        <p:nvSpPr>
+          <p:cNvPr id="31" name="TextBox 30">
+            <a:extLst>
+              <a:ext uri="{FF2B5EF4-FFF2-40B4-BE49-F238E27FC236}">
+                <a16:creationId xmlns:a16="http://schemas.microsoft.com/office/drawing/2014/main" id="{88803C1B-6655-2742-7717-2BD35B81102F}"/>
+              </a:ext>
+            </a:extLst>
+          </p:cNvPr>
+          <p:cNvSpPr txBox="1"/>
+          <p:nvPr/>
+        </p:nvSpPr>
+        <p:spPr>
+          <a:xfrm>
+            <a:off x="2435777" y="3809999"/>
+            <a:ext cx="327334" cy="461665"/>
+          </a:xfrm>
+          <a:prstGeom prst="rect">
+            <a:avLst/>
+          </a:prstGeom>
+          <a:noFill/>
+        </p:spPr>
+        <p:txBody>
+          <a:bodyPr wrap="none" rtlCol="0">
+            <a:spAutoFit/>
+          </a:bodyPr>
+          <a:lstStyle/>
+          <a:p>
+            <a:r>
+              <a:rPr lang="en-CL" sz="2400" dirty="0"/>
+              <a:t>z</a:t>
+            </a:r>
+          </a:p>
+        </p:txBody>
+      </p:sp>
+      <p:sp>
+        <p:nvSpPr>
+          <p:cNvPr id="32" name="TextBox 31">
+            <a:extLst>
+              <a:ext uri="{FF2B5EF4-FFF2-40B4-BE49-F238E27FC236}">
+                <a16:creationId xmlns:a16="http://schemas.microsoft.com/office/drawing/2014/main" id="{A2931F18-A8E7-AFCC-EE96-F6EA7831C5D6}"/>
+              </a:ext>
+            </a:extLst>
+          </p:cNvPr>
+          <p:cNvSpPr txBox="1"/>
+          <p:nvPr/>
+        </p:nvSpPr>
+        <p:spPr>
+          <a:xfrm>
+            <a:off x="3617398" y="3729281"/>
+            <a:ext cx="420308" cy="584775"/>
+          </a:xfrm>
+          <a:prstGeom prst="rect">
+            <a:avLst/>
+          </a:prstGeom>
+          <a:noFill/>
+        </p:spPr>
+        <p:txBody>
+          <a:bodyPr wrap="none" rtlCol="0">
+            <a:spAutoFit/>
+          </a:bodyPr>
+          <a:lstStyle/>
+          <a:p>
+            <a:r>
+              <a:rPr lang="en-CL" dirty="0"/>
+              <a:t>Z</a:t>
+            </a:r>
+          </a:p>
+        </p:txBody>
+      </p:sp>
+      <p:cxnSp>
+        <p:nvCxnSpPr>
+          <p:cNvPr id="33" name="Straight Arrow Connector 32">
+            <a:extLst>
+              <a:ext uri="{FF2B5EF4-FFF2-40B4-BE49-F238E27FC236}">
+                <a16:creationId xmlns:a16="http://schemas.microsoft.com/office/drawing/2014/main" id="{55E82018-F618-3A66-2B4B-8A5C07DD59B5}"/>
+              </a:ext>
+            </a:extLst>
+          </p:cNvPr>
+          <p:cNvCxnSpPr>
+            <a:cxnSpLocks/>
+          </p:cNvCxnSpPr>
+          <p:nvPr/>
+        </p:nvCxnSpPr>
+        <p:spPr bwMode="auto">
+          <a:xfrm>
+            <a:off x="4607756" y="2589893"/>
+            <a:ext cx="0" cy="500026"/>
+          </a:xfrm>
+          <a:prstGeom prst="straightConnector1">
+            <a:avLst/>
+          </a:prstGeom>
+          <a:solidFill>
+            <a:srgbClr val="CCCCCC"/>
+          </a:solidFill>
+          <a:ln w="25400" cap="flat" cmpd="sng" algn="ctr">
+            <a:solidFill>
+              <a:srgbClr val="000000"/>
+            </a:solidFill>
+            <a:prstDash val="solid"/>
+            <a:round/>
+            <a:headEnd type="none" w="med" len="med"/>
+            <a:tailEnd type="triangle"/>
+          </a:ln>
+          <a:effectLst/>
+        </p:spPr>
+      </p:cxnSp>
+      <p:sp>
+        <p:nvSpPr>
+          <p:cNvPr id="35" name="TextBox 34">
+            <a:extLst>
+              <a:ext uri="{FF2B5EF4-FFF2-40B4-BE49-F238E27FC236}">
+                <a16:creationId xmlns:a16="http://schemas.microsoft.com/office/drawing/2014/main" id="{9BA4268C-D8F7-23AD-636A-EFC6D3D96162}"/>
+              </a:ext>
+            </a:extLst>
+          </p:cNvPr>
+          <p:cNvSpPr txBox="1"/>
+          <p:nvPr/>
+        </p:nvSpPr>
+        <p:spPr>
+          <a:xfrm>
+            <a:off x="4371153" y="1865784"/>
+            <a:ext cx="473207" cy="584775"/>
+          </a:xfrm>
+          <a:prstGeom prst="rect">
+            <a:avLst/>
+          </a:prstGeom>
+          <a:noFill/>
+        </p:spPr>
+        <p:txBody>
+          <a:bodyPr wrap="none" rtlCol="0">
+            <a:spAutoFit/>
+          </a:bodyPr>
+          <a:lstStyle/>
+          <a:p>
+            <a:r>
+              <a:rPr lang="en-CL" dirty="0"/>
+              <a:t>H</a:t>
+            </a:r>
+          </a:p>
+        </p:txBody>
+      </p:sp>
+      <p:sp>
+        <p:nvSpPr>
+          <p:cNvPr id="36" name="TextBox 35">
+            <a:extLst>
+              <a:ext uri="{FF2B5EF4-FFF2-40B4-BE49-F238E27FC236}">
+                <a16:creationId xmlns:a16="http://schemas.microsoft.com/office/drawing/2014/main" id="{2652A4F3-3A4B-D444-8CA8-54456CC76AD4}"/>
+              </a:ext>
+            </a:extLst>
+          </p:cNvPr>
+          <p:cNvSpPr txBox="1"/>
+          <p:nvPr/>
+        </p:nvSpPr>
+        <p:spPr>
+          <a:xfrm>
+            <a:off x="5080000" y="3729281"/>
+            <a:ext cx="442750" cy="584775"/>
+          </a:xfrm>
+          <a:prstGeom prst="rect">
+            <a:avLst/>
+          </a:prstGeom>
+          <a:noFill/>
+        </p:spPr>
+        <p:txBody>
+          <a:bodyPr wrap="none" rtlCol="0">
+            <a:spAutoFit/>
+          </a:bodyPr>
+          <a:lstStyle/>
+          <a:p>
+            <a:r>
+              <a:rPr lang="en-CL" dirty="0"/>
+              <a:t>S</a:t>
+            </a:r>
+          </a:p>
+        </p:txBody>
+      </p:sp>
+      <p:sp>
+        <p:nvSpPr>
+          <p:cNvPr id="37" name="TextBox 36">
+            <a:extLst>
+              <a:ext uri="{FF2B5EF4-FFF2-40B4-BE49-F238E27FC236}">
+                <a16:creationId xmlns:a16="http://schemas.microsoft.com/office/drawing/2014/main" id="{3A72A416-84F2-2B19-4943-2D40311B5404}"/>
+              </a:ext>
+            </a:extLst>
+          </p:cNvPr>
+          <p:cNvSpPr txBox="1"/>
+          <p:nvPr/>
+        </p:nvSpPr>
+        <p:spPr>
+          <a:xfrm>
+            <a:off x="7068818" y="3780383"/>
+            <a:ext cx="332142" cy="461665"/>
+          </a:xfrm>
+          <a:prstGeom prst="rect">
+            <a:avLst/>
+          </a:prstGeom>
+          <a:noFill/>
+        </p:spPr>
+        <p:txBody>
+          <a:bodyPr wrap="none" rtlCol="0">
+            <a:spAutoFit/>
+          </a:bodyPr>
+          <a:lstStyle/>
+          <a:p>
+            <a:r>
+              <a:rPr lang="en-CL" sz="2400" dirty="0"/>
+              <a:t>s</a:t>
+            </a:r>
+          </a:p>
+        </p:txBody>
+      </p:sp>
+      <p:sp>
+        <p:nvSpPr>
+          <p:cNvPr id="38" name="TextBox 37">
+            <a:extLst>
+              <a:ext uri="{FF2B5EF4-FFF2-40B4-BE49-F238E27FC236}">
+                <a16:creationId xmlns:a16="http://schemas.microsoft.com/office/drawing/2014/main" id="{1468BD95-7849-3887-AED3-9D2F814679E9}"/>
+              </a:ext>
+            </a:extLst>
+          </p:cNvPr>
+          <p:cNvSpPr txBox="1"/>
+          <p:nvPr/>
+        </p:nvSpPr>
+        <p:spPr>
+          <a:xfrm>
+            <a:off x="8981256" y="3780383"/>
+            <a:ext cx="356188" cy="461665"/>
+          </a:xfrm>
+          <a:prstGeom prst="rect">
+            <a:avLst/>
+          </a:prstGeom>
+          <a:noFill/>
+        </p:spPr>
+        <p:txBody>
+          <a:bodyPr wrap="none" rtlCol="0">
+            <a:spAutoFit/>
+          </a:bodyPr>
+          <a:lstStyle/>
+          <a:p>
+            <a:r>
+              <a:rPr lang="en-CL" sz="2400" dirty="0"/>
+              <a:t>g</a:t>
+            </a:r>
+          </a:p>
+        </p:txBody>
+      </p:sp>
+    </p:spTree>
+    <p:extLst>
+      <p:ext uri="{BB962C8B-B14F-4D97-AF65-F5344CB8AC3E}">
+        <p14:creationId xmlns:p14="http://schemas.microsoft.com/office/powerpoint/2010/main" val="1414905876"/>
+      </p:ext>
+    </p:extLst>
+  </p:cSld>
+  <p:clrMapOvr>
+    <a:masterClrMapping/>
+  </p:clrMapOvr>
+  <p:transition/>
+</p:sld>
+</file>
+
+<file path=ppt/slides/slide7.xml><?xml version="1.0" encoding="utf-8"?>
+<p:sld xmlns:a="http://schemas.openxmlformats.org/drawingml/2006/main" xmlns:r="http://schemas.openxmlformats.org/officeDocument/2006/relationships" xmlns:p="http://schemas.openxmlformats.org/presentationml/2006/main">
+  <p:cSld>
+    <p:spTree>
+      <p:nvGrpSpPr>
+        <p:cNvPr id="1" name=""/>
+        <p:cNvGrpSpPr/>
+        <p:nvPr/>
+      </p:nvGrpSpPr>
+      <p:grpSpPr>
+        <a:xfrm>
+          <a:off x="0" y="0"/>
+          <a:ext cx="0" cy="0"/>
+          <a:chOff x="0" y="0"/>
+          <a:chExt cx="0" cy="0"/>
+        </a:xfrm>
+      </p:grpSpPr>
+      <p:sp>
+        <p:nvSpPr>
           <p:cNvPr id="174081" name="Line 1"/>
           <p:cNvSpPr>
             <a:spLocks noChangeShapeType="1"/>
